--- a/Documentation/time to shine architecture.pptx
+++ b/Documentation/time to shine architecture.pptx
@@ -104,6 +104,11 @@
       </a:defRPr>
     </a:lvl9pPr>
   </p:defaultTextStyle>
+  <p:extLst>
+    <p:ext uri="{EFAFB233-063F-42B5-8137-9DF3F51BA10A}">
+      <p15:sldGuideLst xmlns:p15="http://schemas.microsoft.com/office/powerpoint/2012/main"/>
+    </p:ext>
+  </p:extLst>
 </p:presentation>
 </file>
 
@@ -3833,7 +3838,7 @@
         <p:spPr>
           <a:xfrm>
             <a:off x="4184198" y="3920777"/>
-            <a:ext cx="1285874" cy="299475"/>
+            <a:ext cx="1285874" cy="446471"/>
           </a:xfrm>
           <a:prstGeom prst="rect">
             <a:avLst/>
@@ -3867,6 +3872,17 @@
                   <a:schemeClr val="tx1"/>
                 </a:solidFill>
               </a:rPr>
+              <a:t>Console app</a:t>
+            </a:r>
+          </a:p>
+          <a:p>
+            <a:pPr algn="ctr"/>
+            <a:r>
+              <a:rPr lang="en-AU" sz="1400" dirty="0">
+                <a:solidFill>
+                  <a:schemeClr val="tx1"/>
+                </a:solidFill>
+              </a:rPr>
               <a:t>Logic loop</a:t>
             </a:r>
           </a:p>
@@ -3880,7 +3896,7 @@
         </p:nvSpPr>
         <p:spPr>
           <a:xfrm>
-            <a:off x="4184198" y="4395655"/>
+            <a:off x="4184198" y="4500447"/>
             <a:ext cx="1285874" cy="299475"/>
           </a:xfrm>
           <a:prstGeom prst="rect">
@@ -3933,7 +3949,7 @@
         </p:nvSpPr>
         <p:spPr>
           <a:xfrm>
-            <a:off x="5709730" y="3870459"/>
+            <a:off x="5709730" y="3944769"/>
             <a:ext cx="3116559" cy="400110"/>
           </a:xfrm>
           <a:prstGeom prst="rect">
@@ -4201,8 +4217,8 @@
         </p:nvCxnSpPr>
         <p:spPr>
           <a:xfrm flipH="1">
-            <a:off x="2944406" y="4695130"/>
-            <a:ext cx="1882729" cy="453578"/>
+            <a:off x="2944406" y="4799922"/>
+            <a:ext cx="1882729" cy="348786"/>
           </a:xfrm>
           <a:prstGeom prst="straightConnector1">
             <a:avLst/>
@@ -4237,8 +4253,8 @@
         </p:nvCxnSpPr>
         <p:spPr>
           <a:xfrm>
-            <a:off x="4827135" y="4695130"/>
-            <a:ext cx="1606007" cy="597226"/>
+            <a:off x="4827135" y="4799922"/>
+            <a:ext cx="1606007" cy="492434"/>
           </a:xfrm>
           <a:prstGeom prst="straightConnector1">
             <a:avLst/>
@@ -4356,7 +4372,7 @@
         </p:blipFill>
         <p:spPr>
           <a:xfrm rot="10800000">
-            <a:off x="5505283" y="3945659"/>
+            <a:off x="5505283" y="4019969"/>
             <a:ext cx="249709" cy="249709"/>
           </a:xfrm>
           <a:prstGeom prst="rect">
@@ -4375,8 +4391,8 @@
         </p:nvCxnSpPr>
         <p:spPr>
           <a:xfrm>
-            <a:off x="4827135" y="4220252"/>
-            <a:ext cx="0" cy="175403"/>
+            <a:off x="4827135" y="4367248"/>
+            <a:ext cx="0" cy="133199"/>
           </a:xfrm>
           <a:prstGeom prst="straightConnector1">
             <a:avLst/>
@@ -4646,47 +4662,6 @@
             <a:r>
               <a:rPr lang="en-AU" sz="1400" dirty="0"/>
               <a:t>Approval screen</a:t>
-            </a:r>
-          </a:p>
-        </p:txBody>
-      </p:sp>
-      <p:sp>
-        <p:nvSpPr>
-          <p:cNvPr id="114" name="TextBox 113"/>
-          <p:cNvSpPr txBox="1"/>
-          <p:nvPr/>
-        </p:nvSpPr>
-        <p:spPr>
-          <a:xfrm>
-            <a:off x="5752699" y="5576225"/>
-            <a:ext cx="1507144" cy="553998"/>
-          </a:xfrm>
-          <a:prstGeom prst="rect">
-            <a:avLst/>
-          </a:prstGeom>
-          <a:noFill/>
-        </p:spPr>
-        <p:txBody>
-          <a:bodyPr wrap="none" rtlCol="0">
-            <a:spAutoFit/>
-          </a:bodyPr>
-          <a:lstStyle/>
-          <a:p>
-            <a:r>
-              <a:rPr lang="en-AU" sz="1000" dirty="0"/>
-              <a:t>Cache colours</a:t>
-            </a:r>
-          </a:p>
-          <a:p>
-            <a:r>
-              <a:rPr lang="en-AU" sz="1000" dirty="0"/>
-              <a:t>If no messages in 2 mins, </a:t>
-            </a:r>
-          </a:p>
-          <a:p>
-            <a:r>
-              <a:rPr lang="en-AU" sz="1000" dirty="0"/>
-              <a:t>use a cached colour</a:t>
             </a:r>
           </a:p>
         </p:txBody>
